--- a/doc/predict.pptx
+++ b/doc/predict.pptx
@@ -10474,7 +10474,7 @@
           <a:p>
             <a:r>
               <a:rPr lang="en-US" altLang="zh-CN" sz="2800" dirty="0"/>
-              <a:t>BUT YOU ARE ON YOUR OWN RISK!!!</a:t>
+              <a:t>BUT YOU ARE ON YOUR OWN RISKS!!!</a:t>
             </a:r>
             <a:endParaRPr lang="zh-CN" altLang="en-US" sz="2800" dirty="0"/>
           </a:p>
